--- a/processed/mvccc/512_親愛的主.pptx
+++ b/processed/mvccc/512_親愛的主.pptx
@@ -323,18 +323,18 @@
   <pc:docChgLst>
     <pc:chgData name="Dyno Fu" userId="0d2da80fdb69290a" providerId="LiveId" clId="{A018D7D0-F031-42DF-B310-EE929E08C47D}"/>
     <pc:docChg chg="custSel delSld modSld">
-      <pc:chgData name="Dyno Fu" userId="0d2da80fdb69290a" providerId="LiveId" clId="{A018D7D0-F031-42DF-B310-EE929E08C47D}" dt="2019-05-31T05:16:28.741" v="21" actId="27636"/>
+      <pc:chgData name="Dyno Fu" userId="0d2da80fdb69290a" providerId="LiveId" clId="{A018D7D0-F031-42DF-B310-EE929E08C47D}" dt="2019-06-02T15:42:46.832" v="26"/>
       <pc:docMkLst>
         <pc:docMk/>
       </pc:docMkLst>
       <pc:sldChg chg="modSp">
-        <pc:chgData name="Dyno Fu" userId="0d2da80fdb69290a" providerId="LiveId" clId="{A018D7D0-F031-42DF-B310-EE929E08C47D}" dt="2019-05-31T05:16:28.741" v="21" actId="27636"/>
+        <pc:chgData name="Dyno Fu" userId="0d2da80fdb69290a" providerId="LiveId" clId="{A018D7D0-F031-42DF-B310-EE929E08C47D}" dt="2019-06-02T15:42:46.832" v="26"/>
         <pc:sldMkLst>
           <pc:docMk/>
           <pc:sldMk cId="0" sldId="256"/>
         </pc:sldMkLst>
         <pc:spChg chg="mod">
-          <ac:chgData name="Dyno Fu" userId="0d2da80fdb69290a" providerId="LiveId" clId="{A018D7D0-F031-42DF-B310-EE929E08C47D}" dt="2019-05-31T05:16:04.948" v="17"/>
+          <ac:chgData name="Dyno Fu" userId="0d2da80fdb69290a" providerId="LiveId" clId="{A018D7D0-F031-42DF-B310-EE929E08C47D}" dt="2019-06-02T15:42:46.832" v="26"/>
           <ac:spMkLst>
             <pc:docMk/>
             <pc:sldMk cId="0" sldId="256"/>
@@ -349,13 +349,6 @@
             <ac:spMk id="89" creationId="{00000000-0000-0000-0000-000000000000}"/>
           </ac:spMkLst>
         </pc:spChg>
-      </pc:sldChg>
-      <pc:sldChg chg="del">
-        <pc:chgData name="Dyno Fu" userId="0d2da80fdb69290a" providerId="LiveId" clId="{A018D7D0-F031-42DF-B310-EE929E08C47D}" dt="2019-05-31T05:15:50.859" v="0" actId="2696"/>
-        <pc:sldMkLst>
-          <pc:docMk/>
-          <pc:sldMk cId="0" sldId="257"/>
-        </pc:sldMkLst>
       </pc:sldChg>
     </pc:docChg>
   </pc:docChgLst>
@@ -3334,7 +3327,7 @@
           </a:ln>
           <a:extLst>
             <a:ext uri="{C572A759-6A51-4108-AA02-DFA0A04FC94B}">
-              <ma14:wrappingTextBoxFlag xmlns:ma14="http://schemas.microsoft.com/office/mac/drawingml/2011/main" xmlns:a14="http://schemas.microsoft.com/office/drawing/2010/main" xmlns:m="http://schemas.openxmlformats.org/officeDocument/2006/math" xmlns="" val="1"/>
+              <ma14:wrappingTextBoxFlag xmlns="" xmlns:m="http://schemas.openxmlformats.org/officeDocument/2006/math" xmlns:a14="http://schemas.microsoft.com/office/drawing/2010/main" xmlns:ma14="http://schemas.microsoft.com/office/mac/drawingml/2011/main" val="1"/>
             </a:ext>
           </a:extLst>
         </p:spPr>
@@ -3397,7 +3390,7 @@
           </a:ln>
           <a:extLst>
             <a:ext uri="{C572A759-6A51-4108-AA02-DFA0A04FC94B}">
-              <ma14:wrappingTextBoxFlag xmlns:ma14="http://schemas.microsoft.com/office/mac/drawingml/2011/main" xmlns:a14="http://schemas.microsoft.com/office/drawing/2010/main" xmlns:m="http://schemas.openxmlformats.org/officeDocument/2006/math" xmlns="" val="1"/>
+              <ma14:wrappingTextBoxFlag xmlns="" xmlns:m="http://schemas.openxmlformats.org/officeDocument/2006/math" xmlns:a14="http://schemas.microsoft.com/office/drawing/2010/main" xmlns:ma14="http://schemas.microsoft.com/office/mac/drawingml/2011/main" val="1"/>
             </a:ext>
           </a:extLst>
         </p:spPr>
@@ -4393,8 +4386,12 @@
           <a:lstStyle/>
           <a:p>
             <a:r>
-              <a:rPr lang="en-US" dirty="0"/>
-              <a:t>512# </a:t>
+              <a:rPr lang="en-US" altLang="zh-CN"/>
+              <a:t>#</a:t>
+            </a:r>
+            <a:r>
+              <a:rPr lang="en-US"/>
+              <a:t>512 </a:t>
             </a:r>
             <a:r>
               <a:rPr lang="zh-CN" altLang="en-US" dirty="0"/>
